--- a/MOVIFIER.pptx
+++ b/MOVIFIER.pptx
@@ -11,6 +11,10 @@
     <p:sldId id="258" r:id="rId5"/>
     <p:sldId id="260" r:id="rId6"/>
     <p:sldId id="261" r:id="rId7"/>
+    <p:sldId id="262" r:id="rId8"/>
+    <p:sldId id="263" r:id="rId9"/>
+    <p:sldId id="264" r:id="rId10"/>
+    <p:sldId id="265" r:id="rId11"/>
   </p:sldIdLst>
   <p:sldSz cx="12192000" cy="6858000"/>
   <p:notesSz cx="6858000" cy="9144000"/>
@@ -109,6 +113,11 @@
       </a:defRPr>
     </a:lvl9pPr>
   </p:defaultTextStyle>
+  <p:extLst>
+    <p:ext uri="{EFAFB233-063F-42B5-8137-9DF3F51BA10A}">
+      <p15:sldGuideLst xmlns:p15="http://schemas.microsoft.com/office/powerpoint/2012/main"/>
+    </p:ext>
+  </p:extLst>
 </p:presentation>
 </file>
 
@@ -6231,6 +6240,83 @@
 </p:sld>
 </file>
 
+<file path=ppt/slides/slide10.xml><?xml version="1.0" encoding="utf-8"?>
+<p:sld xmlns:a="http://schemas.openxmlformats.org/drawingml/2006/main" xmlns:r="http://schemas.openxmlformats.org/officeDocument/2006/relationships" xmlns:p="http://schemas.openxmlformats.org/presentationml/2006/main">
+  <p:cSld>
+    <p:spTree>
+      <p:nvGrpSpPr>
+        <p:cNvPr id="1" name=""/>
+        <p:cNvGrpSpPr/>
+        <p:nvPr/>
+      </p:nvGrpSpPr>
+      <p:grpSpPr>
+        <a:xfrm>
+          <a:off x="0" y="0"/>
+          <a:ext cx="0" cy="0"/>
+          <a:chOff x="0" y="0"/>
+          <a:chExt cx="0" cy="0"/>
+        </a:xfrm>
+      </p:grpSpPr>
+      <p:sp>
+        <p:nvSpPr>
+          <p:cNvPr id="2" name="כותרת 1"/>
+          <p:cNvSpPr>
+            <a:spLocks noGrp="1"/>
+          </p:cNvSpPr>
+          <p:nvPr>
+            <p:ph type="title"/>
+          </p:nvPr>
+        </p:nvSpPr>
+        <p:spPr/>
+        <p:txBody>
+          <a:bodyPr/>
+          <a:lstStyle/>
+          <a:p>
+            <a:endParaRPr lang="he-IL" dirty="0"/>
+          </a:p>
+        </p:txBody>
+      </p:sp>
+      <p:sp>
+        <p:nvSpPr>
+          <p:cNvPr id="3" name="מציין מיקום תוכן 2"/>
+          <p:cNvSpPr>
+            <a:spLocks noGrp="1"/>
+          </p:cNvSpPr>
+          <p:nvPr>
+            <p:ph sz="quarter" idx="13"/>
+          </p:nvPr>
+        </p:nvSpPr>
+        <p:spPr/>
+        <p:txBody>
+          <a:bodyPr/>
+          <a:lstStyle/>
+          <a:p>
+            <a:pPr marL="0" indent="0" algn="l">
+              <a:buNone/>
+            </a:pPr>
+            <a:endParaRPr lang="en-US" dirty="0" smtClean="0"/>
+          </a:p>
+          <a:p>
+            <a:pPr marL="0" indent="0" algn="l">
+              <a:buNone/>
+            </a:pPr>
+            <a:endParaRPr lang="he-IL" dirty="0"/>
+          </a:p>
+        </p:txBody>
+      </p:sp>
+    </p:spTree>
+    <p:extLst>
+      <p:ext uri="{BB962C8B-B14F-4D97-AF65-F5344CB8AC3E}">
+        <p14:creationId xmlns:p14="http://schemas.microsoft.com/office/powerpoint/2010/main" val="4132331470"/>
+      </p:ext>
+    </p:extLst>
+  </p:cSld>
+  <p:clrMapOvr>
+    <a:masterClrMapping/>
+  </p:clrMapOvr>
+</p:sld>
+</file>
+
 <file path=ppt/slides/slide2.xml><?xml version="1.0" encoding="utf-8"?>
 <p:sld xmlns:a="http://schemas.openxmlformats.org/drawingml/2006/main" xmlns:r="http://schemas.openxmlformats.org/officeDocument/2006/relationships" xmlns:p="http://schemas.openxmlformats.org/presentationml/2006/main">
   <p:cSld>
@@ -6512,8 +6598,8 @@
         </p:blipFill>
         <p:spPr>
           <a:xfrm>
-            <a:off x="9315651" y="4253155"/>
-            <a:ext cx="1711913" cy="2282551"/>
+            <a:off x="9315651" y="4253156"/>
+            <a:ext cx="1629531" cy="2172708"/>
           </a:xfrm>
           <a:prstGeom prst="rect">
             <a:avLst/>
@@ -6598,8 +6684,8 @@
           <a:p>
             <a:pPr algn="ctr"/>
             <a:r>
-              <a:rPr lang="en-US" dirty="0" err="1" smtClean="0"/>
-              <a:t>Nati</a:t>
+              <a:rPr lang="en-US" dirty="0" smtClean="0"/>
+              <a:t>Natty</a:t>
             </a:r>
             <a:endParaRPr lang="he-IL" dirty="0" smtClean="0"/>
           </a:p>
@@ -6659,8 +6745,8 @@
           <a:p>
             <a:pPr algn="ctr"/>
             <a:r>
-              <a:rPr lang="en-US" dirty="0" err="1" smtClean="0"/>
-              <a:t>Ania</a:t>
+              <a:rPr lang="en-US" dirty="0" smtClean="0"/>
+              <a:t>Anya</a:t>
             </a:r>
             <a:endParaRPr lang="he-IL" dirty="0" smtClean="0"/>
           </a:p>
@@ -7403,29 +7489,104 @@
           <a:bodyPr/>
           <a:lstStyle/>
           <a:p>
-            <a:endParaRPr lang="he-IL"/>
-          </a:p>
-        </p:txBody>
-      </p:sp>
-      <p:sp>
-        <p:nvSpPr>
-          <p:cNvPr id="3" name="מציין מיקום תוכן 2"/>
-          <p:cNvSpPr>
-            <a:spLocks noGrp="1"/>
-          </p:cNvSpPr>
-          <p:nvPr>
-            <p:ph sz="quarter" idx="13"/>
-          </p:nvPr>
-        </p:nvSpPr>
-        <p:spPr/>
-        <p:txBody>
-          <a:bodyPr/>
-          <a:lstStyle/>
-          <a:p>
-            <a:endParaRPr lang="he-IL"/>
-          </a:p>
-        </p:txBody>
-      </p:sp>
+            <a:r>
+              <a:rPr lang="en-US" dirty="0" smtClean="0"/>
+              <a:t>Future data sources</a:t>
+            </a:r>
+            <a:endParaRPr lang="he-IL" dirty="0"/>
+          </a:p>
+        </p:txBody>
+      </p:sp>
+      <p:pic>
+        <p:nvPicPr>
+          <p:cNvPr id="4" name="תמונה 3"/>
+          <p:cNvPicPr>
+            <a:picLocks noChangeAspect="1"/>
+          </p:cNvPicPr>
+          <p:nvPr/>
+        </p:nvPicPr>
+        <p:blipFill>
+          <a:blip r:embed="rId2">
+            <a:extLst>
+              <a:ext uri="{28A0092B-C50C-407E-A947-70E740481C1C}">
+                <a14:useLocalDpi xmlns:a14="http://schemas.microsoft.com/office/drawing/2010/main" val="0"/>
+              </a:ext>
+            </a:extLst>
+          </a:blip>
+          <a:stretch>
+            <a:fillRect/>
+          </a:stretch>
+        </p:blipFill>
+        <p:spPr>
+          <a:xfrm>
+            <a:off x="2473235" y="2166257"/>
+            <a:ext cx="1709057" cy="1709057"/>
+          </a:xfrm>
+          <a:prstGeom prst="rect">
+            <a:avLst/>
+          </a:prstGeom>
+        </p:spPr>
+      </p:pic>
+      <p:pic>
+        <p:nvPicPr>
+          <p:cNvPr id="5" name="תמונה 4"/>
+          <p:cNvPicPr>
+            <a:picLocks noChangeAspect="1"/>
+          </p:cNvPicPr>
+          <p:nvPr/>
+        </p:nvPicPr>
+        <p:blipFill>
+          <a:blip r:embed="rId3" cstate="print">
+            <a:extLst>
+              <a:ext uri="{28A0092B-C50C-407E-A947-70E740481C1C}">
+                <a14:useLocalDpi xmlns:a14="http://schemas.microsoft.com/office/drawing/2010/main" val="0"/>
+              </a:ext>
+            </a:extLst>
+          </a:blip>
+          <a:stretch>
+            <a:fillRect/>
+          </a:stretch>
+        </p:blipFill>
+        <p:spPr>
+          <a:xfrm>
+            <a:off x="5164184" y="4020926"/>
+            <a:ext cx="2122079" cy="1439348"/>
+          </a:xfrm>
+          <a:prstGeom prst="rect">
+            <a:avLst/>
+          </a:prstGeom>
+        </p:spPr>
+      </p:pic>
+      <p:pic>
+        <p:nvPicPr>
+          <p:cNvPr id="6" name="תמונה 5"/>
+          <p:cNvPicPr>
+            <a:picLocks noChangeAspect="1"/>
+          </p:cNvPicPr>
+          <p:nvPr/>
+        </p:nvPicPr>
+        <p:blipFill>
+          <a:blip r:embed="rId4" cstate="print">
+            <a:extLst>
+              <a:ext uri="{28A0092B-C50C-407E-A947-70E740481C1C}">
+                <a14:useLocalDpi xmlns:a14="http://schemas.microsoft.com/office/drawing/2010/main" val="0"/>
+              </a:ext>
+            </a:extLst>
+          </a:blip>
+          <a:stretch>
+            <a:fillRect/>
+          </a:stretch>
+        </p:blipFill>
+        <p:spPr>
+          <a:xfrm>
+            <a:off x="8000365" y="2342862"/>
+            <a:ext cx="1819835" cy="1819835"/>
+          </a:xfrm>
+          <a:prstGeom prst="rect">
+            <a:avLst/>
+          </a:prstGeom>
+        </p:spPr>
+      </p:pic>
     </p:spTree>
     <p:extLst>
       <p:ext uri="{BB962C8B-B14F-4D97-AF65-F5344CB8AC3E}">
@@ -7443,6 +7604,297 @@
       </p:par>
     </p:tnLst>
   </p:timing>
+</p:sld>
+</file>
+
+<file path=ppt/slides/slide7.xml><?xml version="1.0" encoding="utf-8"?>
+<p:sld xmlns:a="http://schemas.openxmlformats.org/drawingml/2006/main" xmlns:r="http://schemas.openxmlformats.org/officeDocument/2006/relationships" xmlns:p="http://schemas.openxmlformats.org/presentationml/2006/main">
+  <p:cSld>
+    <p:spTree>
+      <p:nvGrpSpPr>
+        <p:cNvPr id="1" name=""/>
+        <p:cNvGrpSpPr/>
+        <p:nvPr/>
+      </p:nvGrpSpPr>
+      <p:grpSpPr>
+        <a:xfrm>
+          <a:off x="0" y="0"/>
+          <a:ext cx="0" cy="0"/>
+          <a:chOff x="0" y="0"/>
+          <a:chExt cx="0" cy="0"/>
+        </a:xfrm>
+      </p:grpSpPr>
+      <p:sp>
+        <p:nvSpPr>
+          <p:cNvPr id="2" name="כותרת 1"/>
+          <p:cNvSpPr>
+            <a:spLocks noGrp="1"/>
+          </p:cNvSpPr>
+          <p:nvPr>
+            <p:ph type="title"/>
+          </p:nvPr>
+        </p:nvSpPr>
+        <p:spPr/>
+        <p:txBody>
+          <a:bodyPr/>
+          <a:lstStyle/>
+          <a:p>
+            <a:r>
+              <a:rPr lang="en-US" dirty="0" smtClean="0"/>
+              <a:t>Preparing the data</a:t>
+            </a:r>
+            <a:endParaRPr lang="he-IL" dirty="0"/>
+          </a:p>
+        </p:txBody>
+      </p:sp>
+      <p:sp>
+        <p:nvSpPr>
+          <p:cNvPr id="3" name="מציין מיקום תוכן 2"/>
+          <p:cNvSpPr>
+            <a:spLocks noGrp="1"/>
+          </p:cNvSpPr>
+          <p:nvPr>
+            <p:ph sz="quarter" idx="13"/>
+          </p:nvPr>
+        </p:nvSpPr>
+        <p:spPr/>
+        <p:txBody>
+          <a:bodyPr/>
+          <a:lstStyle/>
+          <a:p>
+            <a:pPr algn="l" rtl="0"/>
+            <a:r>
+              <a:rPr lang="en-US" dirty="0" smtClean="0"/>
+              <a:t>Handling missing data – budget</a:t>
+            </a:r>
+          </a:p>
+          <a:p>
+            <a:pPr marL="0" indent="0" algn="l" rtl="0">
+              <a:buNone/>
+            </a:pPr>
+            <a:endParaRPr lang="en-US" dirty="0" smtClean="0"/>
+          </a:p>
+          <a:p>
+            <a:pPr algn="l" rtl="0"/>
+            <a:r>
+              <a:rPr lang="en-US" dirty="0" smtClean="0"/>
+              <a:t>Removing old data- all films before the year 2000</a:t>
+            </a:r>
+          </a:p>
+          <a:p>
+            <a:pPr marL="0" indent="0" algn="l" rtl="0">
+              <a:buNone/>
+            </a:pPr>
+            <a:endParaRPr lang="en-US" dirty="0" smtClean="0"/>
+          </a:p>
+          <a:p>
+            <a:pPr algn="l" rtl="0"/>
+            <a:endParaRPr lang="he-IL" dirty="0"/>
+          </a:p>
+        </p:txBody>
+      </p:sp>
+    </p:spTree>
+    <p:extLst>
+      <p:ext uri="{BB962C8B-B14F-4D97-AF65-F5344CB8AC3E}">
+        <p14:creationId xmlns:p14="http://schemas.microsoft.com/office/powerpoint/2010/main" val="1856873946"/>
+      </p:ext>
+    </p:extLst>
+  </p:cSld>
+  <p:clrMapOvr>
+    <a:masterClrMapping/>
+  </p:clrMapOvr>
+</p:sld>
+</file>
+
+<file path=ppt/slides/slide8.xml><?xml version="1.0" encoding="utf-8"?>
+<p:sld xmlns:a="http://schemas.openxmlformats.org/drawingml/2006/main" xmlns:r="http://schemas.openxmlformats.org/officeDocument/2006/relationships" xmlns:p="http://schemas.openxmlformats.org/presentationml/2006/main">
+  <p:cSld>
+    <p:spTree>
+      <p:nvGrpSpPr>
+        <p:cNvPr id="1" name=""/>
+        <p:cNvGrpSpPr/>
+        <p:nvPr/>
+      </p:nvGrpSpPr>
+      <p:grpSpPr>
+        <a:xfrm>
+          <a:off x="0" y="0"/>
+          <a:ext cx="0" cy="0"/>
+          <a:chOff x="0" y="0"/>
+          <a:chExt cx="0" cy="0"/>
+        </a:xfrm>
+      </p:grpSpPr>
+      <p:sp>
+        <p:nvSpPr>
+          <p:cNvPr id="2" name="כותרת 1"/>
+          <p:cNvSpPr>
+            <a:spLocks noGrp="1"/>
+          </p:cNvSpPr>
+          <p:nvPr>
+            <p:ph type="title"/>
+          </p:nvPr>
+        </p:nvSpPr>
+        <p:spPr/>
+        <p:txBody>
+          <a:bodyPr/>
+          <a:lstStyle/>
+          <a:p>
+            <a:r>
+              <a:rPr lang="en-US" dirty="0" smtClean="0"/>
+              <a:t>Exploring the data</a:t>
+            </a:r>
+            <a:endParaRPr lang="he-IL" dirty="0"/>
+          </a:p>
+        </p:txBody>
+      </p:sp>
+      <p:sp>
+        <p:nvSpPr>
+          <p:cNvPr id="3" name="מציין מיקום תוכן 2"/>
+          <p:cNvSpPr>
+            <a:spLocks noGrp="1"/>
+          </p:cNvSpPr>
+          <p:nvPr>
+            <p:ph sz="quarter" idx="13"/>
+          </p:nvPr>
+        </p:nvSpPr>
+        <p:spPr/>
+        <p:txBody>
+          <a:bodyPr/>
+          <a:lstStyle/>
+          <a:p>
+            <a:pPr algn="l" rtl="0"/>
+            <a:r>
+              <a:rPr lang="en-US" dirty="0" smtClean="0"/>
+              <a:t>Categorical data- genre , studio</a:t>
+            </a:r>
+          </a:p>
+          <a:p>
+            <a:pPr algn="l" rtl="0"/>
+            <a:r>
+              <a:rPr lang="en-US" dirty="0" smtClean="0"/>
+              <a:t>Numerical values- budget, rating, revenue </a:t>
+            </a:r>
+            <a:endParaRPr lang="he-IL" dirty="0"/>
+          </a:p>
+        </p:txBody>
+      </p:sp>
+    </p:spTree>
+    <p:extLst>
+      <p:ext uri="{BB962C8B-B14F-4D97-AF65-F5344CB8AC3E}">
+        <p14:creationId xmlns:p14="http://schemas.microsoft.com/office/powerpoint/2010/main" val="3183764738"/>
+      </p:ext>
+    </p:extLst>
+  </p:cSld>
+  <p:clrMapOvr>
+    <a:masterClrMapping/>
+  </p:clrMapOvr>
+</p:sld>
+</file>
+
+<file path=ppt/slides/slide9.xml><?xml version="1.0" encoding="utf-8"?>
+<p:sld xmlns:a="http://schemas.openxmlformats.org/drawingml/2006/main" xmlns:r="http://schemas.openxmlformats.org/officeDocument/2006/relationships" xmlns:p="http://schemas.openxmlformats.org/presentationml/2006/main">
+  <p:cSld>
+    <p:spTree>
+      <p:nvGrpSpPr>
+        <p:cNvPr id="1" name=""/>
+        <p:cNvGrpSpPr/>
+        <p:nvPr/>
+      </p:nvGrpSpPr>
+      <p:grpSpPr>
+        <a:xfrm>
+          <a:off x="0" y="0"/>
+          <a:ext cx="0" cy="0"/>
+          <a:chOff x="0" y="0"/>
+          <a:chExt cx="0" cy="0"/>
+        </a:xfrm>
+      </p:grpSpPr>
+      <p:sp>
+        <p:nvSpPr>
+          <p:cNvPr id="2" name="כותרת 1"/>
+          <p:cNvSpPr>
+            <a:spLocks noGrp="1"/>
+          </p:cNvSpPr>
+          <p:nvPr>
+            <p:ph type="title"/>
+          </p:nvPr>
+        </p:nvSpPr>
+        <p:spPr/>
+        <p:txBody>
+          <a:bodyPr/>
+          <a:lstStyle/>
+          <a:p>
+            <a:r>
+              <a:rPr lang="en-US" dirty="0" smtClean="0"/>
+              <a:t>Data enrichment</a:t>
+            </a:r>
+            <a:endParaRPr lang="he-IL" dirty="0"/>
+          </a:p>
+        </p:txBody>
+      </p:sp>
+      <p:sp>
+        <p:nvSpPr>
+          <p:cNvPr id="3" name="מציין מיקום תוכן 2"/>
+          <p:cNvSpPr>
+            <a:spLocks noGrp="1"/>
+          </p:cNvSpPr>
+          <p:nvPr>
+            <p:ph sz="quarter" idx="13"/>
+          </p:nvPr>
+        </p:nvSpPr>
+        <p:spPr/>
+        <p:txBody>
+          <a:bodyPr/>
+          <a:lstStyle/>
+          <a:p>
+            <a:pPr algn="l" rtl="0"/>
+            <a:r>
+              <a:rPr lang="en-US" dirty="0" smtClean="0"/>
+              <a:t>Date =&gt; year , month, season</a:t>
+            </a:r>
+          </a:p>
+          <a:p>
+            <a:pPr algn="l" rtl="0"/>
+            <a:endParaRPr lang="en-US" dirty="0"/>
+          </a:p>
+          <a:p>
+            <a:pPr algn="l" rtl="0"/>
+            <a:endParaRPr lang="en-US" dirty="0" smtClean="0"/>
+          </a:p>
+          <a:p>
+            <a:pPr algn="l" rtl="0"/>
+            <a:r>
+              <a:rPr lang="en-US" dirty="0" smtClean="0"/>
+              <a:t>Name =&gt; </a:t>
+            </a:r>
+            <a:r>
+              <a:rPr lang="en-US" dirty="0" err="1" smtClean="0"/>
+              <a:t>is_sequel</a:t>
+            </a:r>
+            <a:r>
+              <a:rPr lang="en-US" dirty="0" smtClean="0"/>
+              <a:t> , </a:t>
+            </a:r>
+            <a:r>
+              <a:rPr lang="en-US" dirty="0" err="1" smtClean="0"/>
+              <a:t>Is_franchise</a:t>
+            </a:r>
+            <a:r>
+              <a:rPr lang="en-US" dirty="0" smtClean="0"/>
+              <a:t> </a:t>
+            </a:r>
+            <a:endParaRPr lang="he-IL" dirty="0"/>
+          </a:p>
+        </p:txBody>
+      </p:sp>
+    </p:spTree>
+    <p:extLst>
+      <p:ext uri="{BB962C8B-B14F-4D97-AF65-F5344CB8AC3E}">
+        <p14:creationId xmlns:p14="http://schemas.microsoft.com/office/powerpoint/2010/main" val="1142221750"/>
+      </p:ext>
+    </p:extLst>
+  </p:cSld>
+  <p:clrMapOvr>
+    <a:masterClrMapping/>
+  </p:clrMapOvr>
 </p:sld>
 </file>
 

--- a/MOVIFIER.pptx
+++ b/MOVIFIER.pptx
@@ -6304,6 +6304,35 @@
           </a:p>
         </p:txBody>
       </p:sp>
+      <p:pic>
+        <p:nvPicPr>
+          <p:cNvPr id="4" name="תמונה 3"/>
+          <p:cNvPicPr>
+            <a:picLocks noChangeAspect="1"/>
+          </p:cNvPicPr>
+          <p:nvPr/>
+        </p:nvPicPr>
+        <p:blipFill rotWithShape="1">
+          <a:blip r:embed="rId2">
+            <a:extLst>
+              <a:ext uri="{28A0092B-C50C-407E-A947-70E740481C1C}">
+                <a14:useLocalDpi xmlns:a14="http://schemas.microsoft.com/office/drawing/2010/main" val="0"/>
+              </a:ext>
+            </a:extLst>
+          </a:blip>
+          <a:srcRect l="4930" t="30678" r="5375" b="33399"/>
+          <a:stretch/>
+        </p:blipFill>
+        <p:spPr>
+          <a:xfrm>
+            <a:off x="9135289" y="170426"/>
+            <a:ext cx="2417955" cy="968416"/>
+          </a:xfrm>
+          <a:prstGeom prst="rect">
+            <a:avLst/>
+          </a:prstGeom>
+        </p:spPr>
+      </p:pic>
     </p:spTree>
     <p:extLst>
       <p:ext uri="{BB962C8B-B14F-4D97-AF65-F5344CB8AC3E}">
@@ -6865,6 +6894,35 @@
           <a:xfrm>
             <a:off x="3402786" y="4431879"/>
             <a:ext cx="1925102" cy="1925102"/>
+          </a:xfrm>
+          <a:prstGeom prst="rect">
+            <a:avLst/>
+          </a:prstGeom>
+        </p:spPr>
+      </p:pic>
+      <p:pic>
+        <p:nvPicPr>
+          <p:cNvPr id="18" name="תמונה 17"/>
+          <p:cNvPicPr>
+            <a:picLocks noChangeAspect="1"/>
+          </p:cNvPicPr>
+          <p:nvPr/>
+        </p:nvPicPr>
+        <p:blipFill rotWithShape="1">
+          <a:blip r:embed="rId6">
+            <a:extLst>
+              <a:ext uri="{28A0092B-C50C-407E-A947-70E740481C1C}">
+                <a14:useLocalDpi xmlns:a14="http://schemas.microsoft.com/office/drawing/2010/main" val="0"/>
+              </a:ext>
+            </a:extLst>
+          </a:blip>
+          <a:srcRect l="4930" t="30678" r="5375" b="33399"/>
+          <a:stretch/>
+        </p:blipFill>
+        <p:spPr>
+          <a:xfrm>
+            <a:off x="9135289" y="170426"/>
+            <a:ext cx="2417955" cy="968416"/>
           </a:xfrm>
           <a:prstGeom prst="rect">
             <a:avLst/>
@@ -7057,6 +7115,35 @@
           </a:ln>
         </p:spPr>
       </p:pic>
+      <p:pic>
+        <p:nvPicPr>
+          <p:cNvPr id="5" name="תמונה 4"/>
+          <p:cNvPicPr>
+            <a:picLocks noChangeAspect="1"/>
+          </p:cNvPicPr>
+          <p:nvPr/>
+        </p:nvPicPr>
+        <p:blipFill rotWithShape="1">
+          <a:blip r:embed="rId3">
+            <a:extLst>
+              <a:ext uri="{28A0092B-C50C-407E-A947-70E740481C1C}">
+                <a14:useLocalDpi xmlns:a14="http://schemas.microsoft.com/office/drawing/2010/main" val="0"/>
+              </a:ext>
+            </a:extLst>
+          </a:blip>
+          <a:srcRect l="4930" t="30678" r="5375" b="33399"/>
+          <a:stretch/>
+        </p:blipFill>
+        <p:spPr>
+          <a:xfrm>
+            <a:off x="9083038" y="201592"/>
+            <a:ext cx="2417955" cy="968416"/>
+          </a:xfrm>
+          <a:prstGeom prst="rect">
+            <a:avLst/>
+          </a:prstGeom>
+        </p:spPr>
+      </p:pic>
     </p:spTree>
     <p:extLst>
       <p:ext uri="{BB962C8B-B14F-4D97-AF65-F5344CB8AC3E}">
@@ -7246,6 +7333,35 @@
           <a:ln>
             <a:noFill/>
           </a:ln>
+        </p:spPr>
+      </p:pic>
+      <p:pic>
+        <p:nvPicPr>
+          <p:cNvPr id="5" name="תמונה 4"/>
+          <p:cNvPicPr>
+            <a:picLocks noChangeAspect="1"/>
+          </p:cNvPicPr>
+          <p:nvPr/>
+        </p:nvPicPr>
+        <p:blipFill rotWithShape="1">
+          <a:blip r:embed="rId3">
+            <a:extLst>
+              <a:ext uri="{28A0092B-C50C-407E-A947-70E740481C1C}">
+                <a14:useLocalDpi xmlns:a14="http://schemas.microsoft.com/office/drawing/2010/main" val="0"/>
+              </a:ext>
+            </a:extLst>
+          </a:blip>
+          <a:srcRect l="4930" t="30678" r="5375" b="33399"/>
+          <a:stretch/>
+        </p:blipFill>
+        <p:spPr>
+          <a:xfrm>
+            <a:off x="9135289" y="170426"/>
+            <a:ext cx="2417955" cy="968416"/>
+          </a:xfrm>
+          <a:prstGeom prst="rect">
+            <a:avLst/>
+          </a:prstGeom>
         </p:spPr>
       </p:pic>
     </p:spTree>
@@ -7399,7 +7515,7 @@
         </p:blipFill>
         <p:spPr>
           <a:xfrm>
-            <a:off x="7690626" y="815621"/>
+            <a:off x="6939913" y="1366045"/>
             <a:ext cx="3067050" cy="1485900"/>
           </a:xfrm>
           <a:prstGeom prst="rect">
@@ -7429,8 +7545,37 @@
         </p:blipFill>
         <p:spPr>
           <a:xfrm>
-            <a:off x="5808758" y="2898875"/>
+            <a:off x="5138198" y="3098109"/>
             <a:ext cx="2143125" cy="2143125"/>
+          </a:xfrm>
+          <a:prstGeom prst="rect">
+            <a:avLst/>
+          </a:prstGeom>
+        </p:spPr>
+      </p:pic>
+      <p:pic>
+        <p:nvPicPr>
+          <p:cNvPr id="7" name="תמונה 6"/>
+          <p:cNvPicPr>
+            <a:picLocks noChangeAspect="1"/>
+          </p:cNvPicPr>
+          <p:nvPr/>
+        </p:nvPicPr>
+        <p:blipFill rotWithShape="1">
+          <a:blip r:embed="rId5">
+            <a:extLst>
+              <a:ext uri="{28A0092B-C50C-407E-A947-70E740481C1C}">
+                <a14:useLocalDpi xmlns:a14="http://schemas.microsoft.com/office/drawing/2010/main" val="0"/>
+              </a:ext>
+            </a:extLst>
+          </a:blip>
+          <a:srcRect l="4930" t="30678" r="5375" b="33399"/>
+          <a:stretch/>
+        </p:blipFill>
+        <p:spPr>
+          <a:xfrm>
+            <a:off x="9135289" y="170426"/>
+            <a:ext cx="2417955" cy="968416"/>
           </a:xfrm>
           <a:prstGeom prst="rect">
             <a:avLst/>
@@ -7587,6 +7732,35 @@
           </a:prstGeom>
         </p:spPr>
       </p:pic>
+      <p:pic>
+        <p:nvPicPr>
+          <p:cNvPr id="7" name="תמונה 6"/>
+          <p:cNvPicPr>
+            <a:picLocks noChangeAspect="1"/>
+          </p:cNvPicPr>
+          <p:nvPr/>
+        </p:nvPicPr>
+        <p:blipFill rotWithShape="1">
+          <a:blip r:embed="rId5">
+            <a:extLst>
+              <a:ext uri="{28A0092B-C50C-407E-A947-70E740481C1C}">
+                <a14:useLocalDpi xmlns:a14="http://schemas.microsoft.com/office/drawing/2010/main" val="0"/>
+              </a:ext>
+            </a:extLst>
+          </a:blip>
+          <a:srcRect l="4930" t="30678" r="5375" b="33399"/>
+          <a:stretch/>
+        </p:blipFill>
+        <p:spPr>
+          <a:xfrm>
+            <a:off x="9135289" y="170426"/>
+            <a:ext cx="2417955" cy="968416"/>
+          </a:xfrm>
+          <a:prstGeom prst="rect">
+            <a:avLst/>
+          </a:prstGeom>
+        </p:spPr>
+      </p:pic>
     </p:spTree>
     <p:extLst>
       <p:ext uri="{BB962C8B-B14F-4D97-AF65-F5344CB8AC3E}">
@@ -7693,6 +7867,35 @@
           </a:p>
         </p:txBody>
       </p:sp>
+      <p:pic>
+        <p:nvPicPr>
+          <p:cNvPr id="4" name="תמונה 3"/>
+          <p:cNvPicPr>
+            <a:picLocks noChangeAspect="1"/>
+          </p:cNvPicPr>
+          <p:nvPr/>
+        </p:nvPicPr>
+        <p:blipFill rotWithShape="1">
+          <a:blip r:embed="rId2">
+            <a:extLst>
+              <a:ext uri="{28A0092B-C50C-407E-A947-70E740481C1C}">
+                <a14:useLocalDpi xmlns:a14="http://schemas.microsoft.com/office/drawing/2010/main" val="0"/>
+              </a:ext>
+            </a:extLst>
+          </a:blip>
+          <a:srcRect l="4930" t="30678" r="5375" b="33399"/>
+          <a:stretch/>
+        </p:blipFill>
+        <p:spPr>
+          <a:xfrm>
+            <a:off x="9135289" y="170426"/>
+            <a:ext cx="2417955" cy="968416"/>
+          </a:xfrm>
+          <a:prstGeom prst="rect">
+            <a:avLst/>
+          </a:prstGeom>
+        </p:spPr>
+      </p:pic>
     </p:spTree>
     <p:extLst>
       <p:ext uri="{BB962C8B-B14F-4D97-AF65-F5344CB8AC3E}">
@@ -7777,6 +7980,35 @@
           </a:p>
         </p:txBody>
       </p:sp>
+      <p:pic>
+        <p:nvPicPr>
+          <p:cNvPr id="4" name="תמונה 3"/>
+          <p:cNvPicPr>
+            <a:picLocks noChangeAspect="1"/>
+          </p:cNvPicPr>
+          <p:nvPr/>
+        </p:nvPicPr>
+        <p:blipFill rotWithShape="1">
+          <a:blip r:embed="rId2">
+            <a:extLst>
+              <a:ext uri="{28A0092B-C50C-407E-A947-70E740481C1C}">
+                <a14:useLocalDpi xmlns:a14="http://schemas.microsoft.com/office/drawing/2010/main" val="0"/>
+              </a:ext>
+            </a:extLst>
+          </a:blip>
+          <a:srcRect l="4930" t="30678" r="5375" b="33399"/>
+          <a:stretch/>
+        </p:blipFill>
+        <p:spPr>
+          <a:xfrm>
+            <a:off x="9135289" y="170426"/>
+            <a:ext cx="2417955" cy="968416"/>
+          </a:xfrm>
+          <a:prstGeom prst="rect">
+            <a:avLst/>
+          </a:prstGeom>
+        </p:spPr>
+      </p:pic>
     </p:spTree>
     <p:extLst>
       <p:ext uri="{BB962C8B-B14F-4D97-AF65-F5344CB8AC3E}">
@@ -7885,6 +8117,35 @@
           </a:p>
         </p:txBody>
       </p:sp>
+      <p:pic>
+        <p:nvPicPr>
+          <p:cNvPr id="4" name="תמונה 3"/>
+          <p:cNvPicPr>
+            <a:picLocks noChangeAspect="1"/>
+          </p:cNvPicPr>
+          <p:nvPr/>
+        </p:nvPicPr>
+        <p:blipFill rotWithShape="1">
+          <a:blip r:embed="rId2">
+            <a:extLst>
+              <a:ext uri="{28A0092B-C50C-407E-A947-70E740481C1C}">
+                <a14:useLocalDpi xmlns:a14="http://schemas.microsoft.com/office/drawing/2010/main" val="0"/>
+              </a:ext>
+            </a:extLst>
+          </a:blip>
+          <a:srcRect l="4930" t="30678" r="5375" b="33399"/>
+          <a:stretch/>
+        </p:blipFill>
+        <p:spPr>
+          <a:xfrm>
+            <a:off x="9135289" y="170426"/>
+            <a:ext cx="2417955" cy="968416"/>
+          </a:xfrm>
+          <a:prstGeom prst="rect">
+            <a:avLst/>
+          </a:prstGeom>
+        </p:spPr>
+      </p:pic>
     </p:spTree>
     <p:extLst>
       <p:ext uri="{BB962C8B-B14F-4D97-AF65-F5344CB8AC3E}">

--- a/MOVIFIER.pptx
+++ b/MOVIFIER.pptx
@@ -7959,7 +7959,12 @@
             <p:ph sz="quarter" idx="13"/>
           </p:nvPr>
         </p:nvSpPr>
-        <p:spPr/>
+        <p:spPr>
+          <a:xfrm>
+            <a:off x="685800" y="2063396"/>
+            <a:ext cx="10394707" cy="1410205"/>
+          </a:xfrm>
+        </p:spPr>
         <p:txBody>
           <a:bodyPr/>
           <a:lstStyle/>
@@ -8003,6 +8008,54 @@
           <a:xfrm>
             <a:off x="9135289" y="170426"/>
             <a:ext cx="2417955" cy="968416"/>
+          </a:xfrm>
+          <a:prstGeom prst="rect">
+            <a:avLst/>
+          </a:prstGeom>
+        </p:spPr>
+      </p:pic>
+      <p:pic>
+        <p:nvPicPr>
+          <p:cNvPr id="5" name="Picture 4"/>
+          <p:cNvPicPr>
+            <a:picLocks noChangeAspect="1"/>
+          </p:cNvPicPr>
+          <p:nvPr/>
+        </p:nvPicPr>
+        <p:blipFill>
+          <a:blip r:embed="rId3"/>
+          <a:stretch>
+            <a:fillRect/>
+          </a:stretch>
+        </p:blipFill>
+        <p:spPr>
+          <a:xfrm>
+            <a:off x="4591330" y="3473601"/>
+            <a:ext cx="6694855" cy="1801567"/>
+          </a:xfrm>
+          <a:prstGeom prst="rect">
+            <a:avLst/>
+          </a:prstGeom>
+        </p:spPr>
+      </p:pic>
+      <p:pic>
+        <p:nvPicPr>
+          <p:cNvPr id="6" name="Picture 5"/>
+          <p:cNvPicPr>
+            <a:picLocks noChangeAspect="1"/>
+          </p:cNvPicPr>
+          <p:nvPr/>
+        </p:nvPicPr>
+        <p:blipFill>
+          <a:blip r:embed="rId4"/>
+          <a:stretch>
+            <a:fillRect/>
+          </a:stretch>
+        </p:blipFill>
+        <p:spPr>
+          <a:xfrm>
+            <a:off x="5351547" y="1837765"/>
+            <a:ext cx="6201697" cy="1590730"/>
           </a:xfrm>
           <a:prstGeom prst="rect">
             <a:avLst/>
@@ -8140,6 +8193,78 @@
           <a:xfrm>
             <a:off x="9135289" y="170426"/>
             <a:ext cx="2417955" cy="968416"/>
+          </a:xfrm>
+          <a:prstGeom prst="rect">
+            <a:avLst/>
+          </a:prstGeom>
+        </p:spPr>
+      </p:pic>
+      <p:pic>
+        <p:nvPicPr>
+          <p:cNvPr id="6" name="Picture 5"/>
+          <p:cNvPicPr>
+            <a:picLocks noChangeAspect="1"/>
+          </p:cNvPicPr>
+          <p:nvPr/>
+        </p:nvPicPr>
+        <p:blipFill>
+          <a:blip r:embed="rId3"/>
+          <a:stretch>
+            <a:fillRect/>
+          </a:stretch>
+        </p:blipFill>
+        <p:spPr>
+          <a:xfrm>
+            <a:off x="3736624" y="2233147"/>
+            <a:ext cx="6739199" cy="1888566"/>
+          </a:xfrm>
+          <a:prstGeom prst="rect">
+            <a:avLst/>
+          </a:prstGeom>
+        </p:spPr>
+      </p:pic>
+      <p:pic>
+        <p:nvPicPr>
+          <p:cNvPr id="7" name="Picture 6"/>
+          <p:cNvPicPr>
+            <a:picLocks noChangeAspect="1"/>
+          </p:cNvPicPr>
+          <p:nvPr/>
+        </p:nvPicPr>
+        <p:blipFill>
+          <a:blip r:embed="rId4"/>
+          <a:stretch>
+            <a:fillRect/>
+          </a:stretch>
+        </p:blipFill>
+        <p:spPr>
+          <a:xfrm>
+            <a:off x="4846816" y="3721860"/>
+            <a:ext cx="6479012" cy="1673090"/>
+          </a:xfrm>
+          <a:prstGeom prst="rect">
+            <a:avLst/>
+          </a:prstGeom>
+        </p:spPr>
+      </p:pic>
+      <p:pic>
+        <p:nvPicPr>
+          <p:cNvPr id="8" name="Picture 7"/>
+          <p:cNvPicPr>
+            <a:picLocks noChangeAspect="1"/>
+          </p:cNvPicPr>
+          <p:nvPr/>
+        </p:nvPicPr>
+        <p:blipFill>
+          <a:blip r:embed="rId5"/>
+          <a:stretch>
+            <a:fillRect/>
+          </a:stretch>
+        </p:blipFill>
+        <p:spPr>
+          <a:xfrm>
+            <a:off x="5069110" y="1524427"/>
+            <a:ext cx="6256718" cy="1639953"/>
           </a:xfrm>
           <a:prstGeom prst="rect">
             <a:avLst/>

--- a/MOVIFIER.pptx
+++ b/MOVIFIER.pptx
@@ -6386,166 +6386,6 @@
       </p:sp>
       <p:sp>
         <p:nvSpPr>
-          <p:cNvPr id="6" name="אליפסה 5"/>
-          <p:cNvSpPr/>
-          <p:nvPr/>
-        </p:nvSpPr>
-        <p:spPr>
-          <a:xfrm>
-            <a:off x="5863385" y="1745087"/>
-            <a:ext cx="2751909" cy="2508069"/>
-          </a:xfrm>
-          <a:prstGeom prst="ellipse">
-            <a:avLst/>
-          </a:prstGeom>
-        </p:spPr>
-        <p:style>
-          <a:lnRef idx="2">
-            <a:schemeClr val="accent1">
-              <a:shade val="50000"/>
-            </a:schemeClr>
-          </a:lnRef>
-          <a:fillRef idx="1">
-            <a:schemeClr val="accent1"/>
-          </a:fillRef>
-          <a:effectRef idx="0">
-            <a:schemeClr val="accent1"/>
-          </a:effectRef>
-          <a:fontRef idx="minor">
-            <a:schemeClr val="lt1"/>
-          </a:fontRef>
-        </p:style>
-        <p:txBody>
-          <a:bodyPr rtlCol="1" anchor="ctr"/>
-          <a:lstStyle/>
-          <a:p>
-            <a:pPr algn="ctr"/>
-            <a:endParaRPr lang="he-IL"/>
-          </a:p>
-        </p:txBody>
-      </p:sp>
-      <p:sp>
-        <p:nvSpPr>
-          <p:cNvPr id="7" name="אליפסה 6"/>
-          <p:cNvSpPr/>
-          <p:nvPr/>
-        </p:nvSpPr>
-        <p:spPr>
-          <a:xfrm>
-            <a:off x="8737387" y="1745086"/>
-            <a:ext cx="2751909" cy="2508069"/>
-          </a:xfrm>
-          <a:prstGeom prst="ellipse">
-            <a:avLst/>
-          </a:prstGeom>
-        </p:spPr>
-        <p:style>
-          <a:lnRef idx="2">
-            <a:schemeClr val="accent1">
-              <a:shade val="50000"/>
-            </a:schemeClr>
-          </a:lnRef>
-          <a:fillRef idx="1">
-            <a:schemeClr val="accent1"/>
-          </a:fillRef>
-          <a:effectRef idx="0">
-            <a:schemeClr val="accent1"/>
-          </a:effectRef>
-          <a:fontRef idx="minor">
-            <a:schemeClr val="lt1"/>
-          </a:fontRef>
-        </p:style>
-        <p:txBody>
-          <a:bodyPr rtlCol="1" anchor="ctr"/>
-          <a:lstStyle/>
-          <a:p>
-            <a:pPr algn="ctr"/>
-            <a:endParaRPr lang="he-IL"/>
-          </a:p>
-        </p:txBody>
-      </p:sp>
-      <p:sp>
-        <p:nvSpPr>
-          <p:cNvPr id="8" name="אליפסה 7"/>
-          <p:cNvSpPr/>
-          <p:nvPr/>
-        </p:nvSpPr>
-        <p:spPr>
-          <a:xfrm>
-            <a:off x="2989383" y="1652409"/>
-            <a:ext cx="2751909" cy="2508069"/>
-          </a:xfrm>
-          <a:prstGeom prst="ellipse">
-            <a:avLst/>
-          </a:prstGeom>
-        </p:spPr>
-        <p:style>
-          <a:lnRef idx="2">
-            <a:schemeClr val="accent1">
-              <a:shade val="50000"/>
-            </a:schemeClr>
-          </a:lnRef>
-          <a:fillRef idx="1">
-            <a:schemeClr val="accent1"/>
-          </a:fillRef>
-          <a:effectRef idx="0">
-            <a:schemeClr val="accent1"/>
-          </a:effectRef>
-          <a:fontRef idx="minor">
-            <a:schemeClr val="lt1"/>
-          </a:fontRef>
-        </p:style>
-        <p:txBody>
-          <a:bodyPr rtlCol="1" anchor="ctr"/>
-          <a:lstStyle/>
-          <a:p>
-            <a:pPr algn="ctr"/>
-            <a:endParaRPr lang="he-IL"/>
-          </a:p>
-        </p:txBody>
-      </p:sp>
-      <p:sp>
-        <p:nvSpPr>
-          <p:cNvPr id="9" name="אליפסה 8"/>
-          <p:cNvSpPr/>
-          <p:nvPr/>
-        </p:nvSpPr>
-        <p:spPr>
-          <a:xfrm>
-            <a:off x="152569" y="1652409"/>
-            <a:ext cx="2751909" cy="2508069"/>
-          </a:xfrm>
-          <a:prstGeom prst="ellipse">
-            <a:avLst/>
-          </a:prstGeom>
-        </p:spPr>
-        <p:style>
-          <a:lnRef idx="2">
-            <a:schemeClr val="accent1">
-              <a:shade val="50000"/>
-            </a:schemeClr>
-          </a:lnRef>
-          <a:fillRef idx="1">
-            <a:schemeClr val="accent1"/>
-          </a:fillRef>
-          <a:effectRef idx="0">
-            <a:schemeClr val="accent1"/>
-          </a:effectRef>
-          <a:fontRef idx="minor">
-            <a:schemeClr val="lt1"/>
-          </a:fontRef>
-        </p:style>
-        <p:txBody>
-          <a:bodyPr rtlCol="1" anchor="ctr"/>
-          <a:lstStyle/>
-          <a:p>
-            <a:pPr algn="ctr"/>
-            <a:endParaRPr lang="he-IL"/>
-          </a:p>
-        </p:txBody>
-      </p:sp>
-      <p:sp>
-        <p:nvSpPr>
           <p:cNvPr id="10" name="TextBox 9"/>
           <p:cNvSpPr txBox="1"/>
           <p:nvPr/>
@@ -6568,10 +6408,18 @@
           <a:p>
             <a:pPr algn="ctr"/>
             <a:r>
-              <a:rPr lang="en-US" dirty="0"/>
+              <a:rPr lang="en-US" dirty="0">
+                <a:solidFill>
+                  <a:schemeClr val="accent1"/>
+                </a:solidFill>
+              </a:rPr>
               <a:t>Omer</a:t>
             </a:r>
-            <a:endParaRPr lang="he-IL" dirty="0"/>
+            <a:endParaRPr lang="he-IL" dirty="0">
+              <a:solidFill>
+                <a:schemeClr val="accent1"/>
+              </a:solidFill>
+            </a:endParaRPr>
           </a:p>
           <a:p>
             <a:pPr algn="ctr"/>
@@ -6583,7 +6431,11 @@
           <a:p>
             <a:pPr algn="ctr"/>
             <a:r>
-              <a:rPr lang="en-US" dirty="0"/>
+              <a:rPr lang="en-US" dirty="0">
+                <a:solidFill>
+                  <a:schemeClr val="accent1"/>
+                </a:solidFill>
+              </a:rPr>
               <a:t>&amp;</a:t>
             </a:r>
           </a:p>
@@ -6597,9 +6449,226 @@
           </a:p>
         </p:txBody>
       </p:sp>
+      <p:sp>
+        <p:nvSpPr>
+          <p:cNvPr id="12" name="TextBox 11"/>
+          <p:cNvSpPr txBox="1"/>
+          <p:nvPr/>
+        </p:nvSpPr>
+        <p:spPr>
+          <a:xfrm>
+            <a:off x="6139194" y="2254232"/>
+            <a:ext cx="2072640" cy="1477328"/>
+          </a:xfrm>
+          <a:prstGeom prst="rect">
+            <a:avLst/>
+          </a:prstGeom>
+          <a:noFill/>
+        </p:spPr>
+        <p:txBody>
+          <a:bodyPr wrap="square" rtlCol="1">
+            <a:spAutoFit/>
+          </a:bodyPr>
+          <a:lstStyle/>
+          <a:p>
+            <a:pPr algn="ctr"/>
+            <a:r>
+              <a:rPr lang="en-US" dirty="0">
+                <a:solidFill>
+                  <a:schemeClr val="accent1"/>
+                </a:solidFill>
+              </a:rPr>
+              <a:t>Or</a:t>
+            </a:r>
+            <a:endParaRPr lang="he-IL" dirty="0">
+              <a:solidFill>
+                <a:schemeClr val="accent1"/>
+              </a:solidFill>
+            </a:endParaRPr>
+          </a:p>
+          <a:p>
+            <a:pPr algn="ctr"/>
+            <a:r>
+              <a:rPr lang="en-US" dirty="0"/>
+              <a:t>Designer</a:t>
+            </a:r>
+          </a:p>
+          <a:p>
+            <a:pPr algn="ctr"/>
+            <a:r>
+              <a:rPr lang="en-US" dirty="0">
+                <a:solidFill>
+                  <a:schemeClr val="accent1"/>
+                </a:solidFill>
+              </a:rPr>
+              <a:t>&amp;</a:t>
+            </a:r>
+          </a:p>
+          <a:p>
+            <a:pPr algn="ctr"/>
+            <a:r>
+              <a:rPr lang="en-US" dirty="0"/>
+              <a:t>Front-end </a:t>
+            </a:r>
+            <a:endParaRPr lang="en-US" dirty="0" smtClean="0"/>
+          </a:p>
+          <a:p>
+            <a:pPr algn="ctr"/>
+            <a:r>
+              <a:rPr lang="en-US" dirty="0" smtClean="0"/>
+              <a:t>dev</a:t>
+            </a:r>
+            <a:endParaRPr lang="he-IL" dirty="0"/>
+          </a:p>
+        </p:txBody>
+      </p:sp>
+      <p:sp>
+        <p:nvSpPr>
+          <p:cNvPr id="13" name="TextBox 12"/>
+          <p:cNvSpPr txBox="1"/>
+          <p:nvPr/>
+        </p:nvSpPr>
+        <p:spPr>
+          <a:xfrm>
+            <a:off x="3302380" y="2260457"/>
+            <a:ext cx="2072640" cy="1477328"/>
+          </a:xfrm>
+          <a:prstGeom prst="rect">
+            <a:avLst/>
+          </a:prstGeom>
+          <a:noFill/>
+        </p:spPr>
+        <p:txBody>
+          <a:bodyPr wrap="square" rtlCol="1">
+            <a:spAutoFit/>
+          </a:bodyPr>
+          <a:lstStyle/>
+          <a:p>
+            <a:pPr algn="ctr"/>
+            <a:r>
+              <a:rPr lang="en-US" dirty="0">
+                <a:solidFill>
+                  <a:schemeClr val="accent1"/>
+                </a:solidFill>
+              </a:rPr>
+              <a:t>Natty</a:t>
+            </a:r>
+            <a:endParaRPr lang="he-IL" dirty="0">
+              <a:solidFill>
+                <a:schemeClr val="accent1"/>
+              </a:solidFill>
+            </a:endParaRPr>
+          </a:p>
+          <a:p>
+            <a:pPr algn="ctr"/>
+            <a:r>
+              <a:rPr lang="en-US" dirty="0"/>
+              <a:t>Biz Dev</a:t>
+            </a:r>
+          </a:p>
+          <a:p>
+            <a:pPr algn="ctr"/>
+            <a:r>
+              <a:rPr lang="en-US" dirty="0">
+                <a:solidFill>
+                  <a:schemeClr val="accent1"/>
+                </a:solidFill>
+              </a:rPr>
+              <a:t>&amp;</a:t>
+            </a:r>
+          </a:p>
+          <a:p>
+            <a:pPr algn="ctr"/>
+            <a:r>
+              <a:rPr lang="en-US" dirty="0"/>
+              <a:t>Movie </a:t>
+            </a:r>
+          </a:p>
+          <a:p>
+            <a:pPr algn="ctr"/>
+            <a:r>
+              <a:rPr lang="en-US" dirty="0"/>
+              <a:t>correspondent</a:t>
+            </a:r>
+            <a:endParaRPr lang="he-IL" dirty="0"/>
+          </a:p>
+        </p:txBody>
+      </p:sp>
+      <p:sp>
+        <p:nvSpPr>
+          <p:cNvPr id="14" name="TextBox 13"/>
+          <p:cNvSpPr txBox="1"/>
+          <p:nvPr/>
+        </p:nvSpPr>
+        <p:spPr>
+          <a:xfrm>
+            <a:off x="454667" y="2260457"/>
+            <a:ext cx="2072640" cy="1477328"/>
+          </a:xfrm>
+          <a:prstGeom prst="rect">
+            <a:avLst/>
+          </a:prstGeom>
+          <a:noFill/>
+        </p:spPr>
+        <p:txBody>
+          <a:bodyPr wrap="square" rtlCol="1">
+            <a:spAutoFit/>
+          </a:bodyPr>
+          <a:lstStyle/>
+          <a:p>
+            <a:pPr algn="ctr"/>
+            <a:r>
+              <a:rPr lang="en-US" dirty="0">
+                <a:solidFill>
+                  <a:schemeClr val="accent1"/>
+                </a:solidFill>
+              </a:rPr>
+              <a:t>Anya</a:t>
+            </a:r>
+            <a:endParaRPr lang="he-IL" dirty="0">
+              <a:solidFill>
+                <a:schemeClr val="accent1"/>
+              </a:solidFill>
+            </a:endParaRPr>
+          </a:p>
+          <a:p>
+            <a:pPr algn="ctr"/>
+            <a:r>
+              <a:rPr lang="en-US" dirty="0"/>
+              <a:t>Data Wiz</a:t>
+            </a:r>
+          </a:p>
+          <a:p>
+            <a:pPr algn="ctr"/>
+            <a:r>
+              <a:rPr lang="en-US" dirty="0">
+                <a:solidFill>
+                  <a:schemeClr val="accent1"/>
+                </a:solidFill>
+              </a:rPr>
+              <a:t>&amp;</a:t>
+            </a:r>
+          </a:p>
+          <a:p>
+            <a:pPr algn="ctr"/>
+            <a:r>
+              <a:rPr lang="en-US" dirty="0"/>
+              <a:t>Mountain </a:t>
+            </a:r>
+          </a:p>
+          <a:p>
+            <a:pPr algn="ctr"/>
+            <a:r>
+              <a:rPr lang="en-US" dirty="0"/>
+              <a:t>Climber</a:t>
+            </a:r>
+            <a:endParaRPr lang="he-IL" dirty="0"/>
+          </a:p>
+        </p:txBody>
+      </p:sp>
       <p:pic>
         <p:nvPicPr>
-          <p:cNvPr id="11" name="תמונה 10"/>
+          <p:cNvPr id="16" name="תמונה 15"/>
           <p:cNvPicPr>
             <a:picLocks noChangeAspect="1"/>
           </p:cNvPicPr>
@@ -6619,226 +6688,24 @@
         </p:blipFill>
         <p:spPr>
           <a:xfrm>
-            <a:off x="9315651" y="4253156"/>
-            <a:ext cx="1629531" cy="2172708"/>
+            <a:off x="562435" y="4032634"/>
+            <a:ext cx="1857103" cy="1857103"/>
           </a:xfrm>
           <a:prstGeom prst="rect">
             <a:avLst/>
           </a:prstGeom>
         </p:spPr>
       </p:pic>
-      <p:sp>
-        <p:nvSpPr>
-          <p:cNvPr id="12" name="TextBox 11"/>
-          <p:cNvSpPr txBox="1"/>
-          <p:nvPr/>
-        </p:nvSpPr>
-        <p:spPr>
-          <a:xfrm>
-            <a:off x="6139194" y="2260456"/>
-            <a:ext cx="2072640" cy="1200329"/>
-          </a:xfrm>
-          <a:prstGeom prst="rect">
-            <a:avLst/>
-          </a:prstGeom>
-          <a:noFill/>
-        </p:spPr>
-        <p:txBody>
-          <a:bodyPr wrap="square" rtlCol="1">
-            <a:spAutoFit/>
-          </a:bodyPr>
-          <a:lstStyle/>
-          <a:p>
-            <a:pPr algn="ctr"/>
-            <a:r>
-              <a:rPr lang="en-US" dirty="0"/>
-              <a:t>Or</a:t>
-            </a:r>
-            <a:endParaRPr lang="he-IL" dirty="0"/>
-          </a:p>
-          <a:p>
-            <a:pPr algn="ctr"/>
-            <a:r>
-              <a:rPr lang="en-US" dirty="0"/>
-              <a:t>Designer</a:t>
-            </a:r>
-          </a:p>
-          <a:p>
-            <a:pPr algn="ctr"/>
-            <a:r>
-              <a:rPr lang="en-US" dirty="0"/>
-              <a:t>&amp;</a:t>
-            </a:r>
-          </a:p>
-          <a:p>
-            <a:pPr algn="ctr"/>
-            <a:r>
-              <a:rPr lang="en-US" dirty="0"/>
-              <a:t>Front-end dev</a:t>
-            </a:r>
-            <a:endParaRPr lang="he-IL" dirty="0"/>
-          </a:p>
-        </p:txBody>
-      </p:sp>
-      <p:sp>
-        <p:nvSpPr>
-          <p:cNvPr id="13" name="TextBox 12"/>
-          <p:cNvSpPr txBox="1"/>
-          <p:nvPr/>
-        </p:nvSpPr>
-        <p:spPr>
-          <a:xfrm>
-            <a:off x="3302380" y="2260457"/>
-            <a:ext cx="2072640" cy="1477328"/>
-          </a:xfrm>
-          <a:prstGeom prst="rect">
-            <a:avLst/>
-          </a:prstGeom>
-          <a:noFill/>
-        </p:spPr>
-        <p:txBody>
-          <a:bodyPr wrap="square" rtlCol="1">
-            <a:spAutoFit/>
-          </a:bodyPr>
-          <a:lstStyle/>
-          <a:p>
-            <a:pPr algn="ctr"/>
-            <a:r>
-              <a:rPr lang="en-US" dirty="0"/>
-              <a:t>Natty</a:t>
-            </a:r>
-            <a:endParaRPr lang="he-IL" dirty="0"/>
-          </a:p>
-          <a:p>
-            <a:pPr algn="ctr"/>
-            <a:r>
-              <a:rPr lang="en-US" dirty="0"/>
-              <a:t>Biz Dev</a:t>
-            </a:r>
-          </a:p>
-          <a:p>
-            <a:pPr algn="ctr"/>
-            <a:r>
-              <a:rPr lang="en-US" dirty="0"/>
-              <a:t>&amp;</a:t>
-            </a:r>
-          </a:p>
-          <a:p>
-            <a:pPr algn="ctr"/>
-            <a:r>
-              <a:rPr lang="en-US" dirty="0"/>
-              <a:t>Movie </a:t>
-            </a:r>
-          </a:p>
-          <a:p>
-            <a:pPr algn="ctr"/>
-            <a:r>
-              <a:rPr lang="en-US" dirty="0"/>
-              <a:t>correspondent</a:t>
-            </a:r>
-            <a:endParaRPr lang="he-IL" dirty="0"/>
-          </a:p>
-        </p:txBody>
-      </p:sp>
-      <p:sp>
-        <p:nvSpPr>
-          <p:cNvPr id="14" name="TextBox 13"/>
-          <p:cNvSpPr txBox="1"/>
-          <p:nvPr/>
-        </p:nvSpPr>
-        <p:spPr>
-          <a:xfrm>
-            <a:off x="454667" y="2260457"/>
-            <a:ext cx="2072640" cy="1477328"/>
-          </a:xfrm>
-          <a:prstGeom prst="rect">
-            <a:avLst/>
-          </a:prstGeom>
-          <a:noFill/>
-        </p:spPr>
-        <p:txBody>
-          <a:bodyPr wrap="square" rtlCol="1">
-            <a:spAutoFit/>
-          </a:bodyPr>
-          <a:lstStyle/>
-          <a:p>
-            <a:pPr algn="ctr"/>
-            <a:r>
-              <a:rPr lang="en-US" dirty="0"/>
-              <a:t>Anya</a:t>
-            </a:r>
-            <a:endParaRPr lang="he-IL" dirty="0"/>
-          </a:p>
-          <a:p>
-            <a:pPr algn="ctr"/>
-            <a:r>
-              <a:rPr lang="en-US" dirty="0"/>
-              <a:t>Data Wiz</a:t>
-            </a:r>
-          </a:p>
-          <a:p>
-            <a:pPr algn="ctr"/>
-            <a:r>
-              <a:rPr lang="en-US" dirty="0"/>
-              <a:t>&amp;</a:t>
-            </a:r>
-          </a:p>
-          <a:p>
-            <a:pPr algn="ctr"/>
-            <a:r>
-              <a:rPr lang="en-US" dirty="0"/>
-              <a:t>Mountain </a:t>
-            </a:r>
-          </a:p>
-          <a:p>
-            <a:pPr algn="ctr"/>
-            <a:r>
-              <a:rPr lang="en-US" dirty="0"/>
-              <a:t>Climber</a:t>
-            </a:r>
-            <a:endParaRPr lang="he-IL" dirty="0"/>
-          </a:p>
-        </p:txBody>
-      </p:sp>
       <p:pic>
         <p:nvPicPr>
-          <p:cNvPr id="15" name="תמונה 14"/>
-          <p:cNvPicPr>
-            <a:picLocks noChangeAspect="1"/>
-          </p:cNvPicPr>
-          <p:nvPr/>
-        </p:nvPicPr>
-        <p:blipFill rotWithShape="1">
-          <a:blip r:embed="rId3" cstate="print">
-            <a:extLst>
-              <a:ext uri="{28A0092B-C50C-407E-A947-70E740481C1C}">
-                <a14:useLocalDpi xmlns:a14="http://schemas.microsoft.com/office/drawing/2010/main" val="0"/>
-              </a:ext>
-            </a:extLst>
-          </a:blip>
-          <a:srcRect l="13675" t="11810" r="7364" b="13269"/>
-          <a:stretch/>
-        </p:blipFill>
-        <p:spPr>
-          <a:xfrm>
-            <a:off x="6529590" y="4319452"/>
-            <a:ext cx="1419497" cy="2027853"/>
-          </a:xfrm>
-          <a:prstGeom prst="rect">
-            <a:avLst/>
-          </a:prstGeom>
-        </p:spPr>
-      </p:pic>
-      <p:pic>
-        <p:nvPicPr>
-          <p:cNvPr id="16" name="תמונה 15"/>
+          <p:cNvPr id="17" name="תמונה 16"/>
           <p:cNvPicPr>
             <a:picLocks noChangeAspect="1"/>
           </p:cNvPicPr>
           <p:nvPr/>
         </p:nvPicPr>
         <p:blipFill>
-          <a:blip r:embed="rId4" cstate="print">
+          <a:blip r:embed="rId3" cstate="print">
             <a:extLst>
               <a:ext uri="{28A0092B-C50C-407E-A947-70E740481C1C}">
                 <a14:useLocalDpi xmlns:a14="http://schemas.microsoft.com/office/drawing/2010/main" val="0"/>
@@ -6851,38 +6718,8 @@
         </p:blipFill>
         <p:spPr>
           <a:xfrm>
-            <a:off x="562435" y="4404826"/>
-            <a:ext cx="1857103" cy="1857103"/>
-          </a:xfrm>
-          <a:prstGeom prst="rect">
-            <a:avLst/>
-          </a:prstGeom>
-        </p:spPr>
-      </p:pic>
-      <p:pic>
-        <p:nvPicPr>
-          <p:cNvPr id="17" name="תמונה 16"/>
-          <p:cNvPicPr>
-            <a:picLocks noChangeAspect="1"/>
-          </p:cNvPicPr>
-          <p:nvPr/>
-        </p:nvPicPr>
-        <p:blipFill>
-          <a:blip r:embed="rId5" cstate="print">
-            <a:extLst>
-              <a:ext uri="{28A0092B-C50C-407E-A947-70E740481C1C}">
-                <a14:useLocalDpi xmlns:a14="http://schemas.microsoft.com/office/drawing/2010/main" val="0"/>
-              </a:ext>
-            </a:extLst>
-          </a:blip>
-          <a:stretch>
-            <a:fillRect/>
-          </a:stretch>
-        </p:blipFill>
-        <p:spPr>
-          <a:xfrm>
-            <a:off x="3402786" y="4431879"/>
-            <a:ext cx="1925102" cy="1925102"/>
+            <a:off x="3449918" y="4032634"/>
+            <a:ext cx="1925102" cy="1857103"/>
           </a:xfrm>
           <a:prstGeom prst="rect">
             <a:avLst/>
@@ -6898,7 +6735,7 @@
           <p:nvPr/>
         </p:nvPicPr>
         <p:blipFill rotWithShape="1">
-          <a:blip r:embed="rId6">
+          <a:blip r:embed="rId4">
             <a:extLst>
               <a:ext uri="{28A0092B-C50C-407E-A947-70E740481C1C}">
                 <a14:useLocalDpi xmlns:a14="http://schemas.microsoft.com/office/drawing/2010/main" val="0"/>
@@ -6912,6 +6749,54 @@
           <a:xfrm>
             <a:off x="9135289" y="170426"/>
             <a:ext cx="2417955" cy="968416"/>
+          </a:xfrm>
+          <a:prstGeom prst="rect">
+            <a:avLst/>
+          </a:prstGeom>
+        </p:spPr>
+      </p:pic>
+      <p:pic>
+        <p:nvPicPr>
+          <p:cNvPr id="3" name="Picture 2"/>
+          <p:cNvPicPr>
+            <a:picLocks noChangeAspect="1"/>
+          </p:cNvPicPr>
+          <p:nvPr/>
+        </p:nvPicPr>
+        <p:blipFill>
+          <a:blip r:embed="rId5"/>
+          <a:stretch>
+            <a:fillRect/>
+          </a:stretch>
+        </p:blipFill>
+        <p:spPr>
+          <a:xfrm>
+            <a:off x="9337506" y="4032634"/>
+            <a:ext cx="1668205" cy="1956851"/>
+          </a:xfrm>
+          <a:prstGeom prst="rect">
+            <a:avLst/>
+          </a:prstGeom>
+        </p:spPr>
+      </p:pic>
+      <p:pic>
+        <p:nvPicPr>
+          <p:cNvPr id="5" name="Picture 4"/>
+          <p:cNvPicPr>
+            <a:picLocks noChangeAspect="1"/>
+          </p:cNvPicPr>
+          <p:nvPr/>
+        </p:nvPicPr>
+        <p:blipFill>
+          <a:blip r:embed="rId6"/>
+          <a:stretch>
+            <a:fillRect/>
+          </a:stretch>
+        </p:blipFill>
+        <p:spPr>
+          <a:xfrm>
+            <a:off x="6449050" y="3959634"/>
+            <a:ext cx="1762784" cy="2102849"/>
           </a:xfrm>
           <a:prstGeom prst="rect">
             <a:avLst/>
@@ -7116,7 +7001,7 @@
           <p:cNvPr id="7" name="Picture 6">
             <a:extLst>
               <a:ext uri="{FF2B5EF4-FFF2-40B4-BE49-F238E27FC236}">
-                <a16:creationId xmlns:a16="http://schemas.microsoft.com/office/drawing/2014/main" id="{BCC588EE-6C8E-4F36-BD7F-8D7C90A15E6C}"/>
+                <a16:creationId xmlns="" xmlns:a16="http://schemas.microsoft.com/office/drawing/2014/main" id="{BCC588EE-6C8E-4F36-BD7F-8D7C90A15E6C}"/>
               </a:ext>
             </a:extLst>
           </p:cNvPr>
@@ -7342,7 +7227,7 @@
           <p:cNvPr id="9" name="כותרת 1">
             <a:extLst>
               <a:ext uri="{FF2B5EF4-FFF2-40B4-BE49-F238E27FC236}">
-                <a16:creationId xmlns:a16="http://schemas.microsoft.com/office/drawing/2014/main" id="{93E9D7FA-4A8F-4E66-B304-8F3FCB0DB718}"/>
+                <a16:creationId xmlns="" xmlns:a16="http://schemas.microsoft.com/office/drawing/2014/main" id="{93E9D7FA-4A8F-4E66-B304-8F3FCB0DB718}"/>
               </a:ext>
             </a:extLst>
           </p:cNvPr>
@@ -7910,7 +7795,7 @@
           <p:cNvPr id="7" name="Picture 6">
             <a:extLst>
               <a:ext uri="{FF2B5EF4-FFF2-40B4-BE49-F238E27FC236}">
-                <a16:creationId xmlns:a16="http://schemas.microsoft.com/office/drawing/2014/main" id="{B726B947-1C89-44FD-8914-F089B0A18816}"/>
+                <a16:creationId xmlns="" xmlns:a16="http://schemas.microsoft.com/office/drawing/2014/main" id="{B726B947-1C89-44FD-8914-F089B0A18816}"/>
               </a:ext>
             </a:extLst>
           </p:cNvPr>
@@ -8068,7 +7953,7 @@
           <p:cNvPr id="5" name="Picture 4">
             <a:extLst>
               <a:ext uri="{FF2B5EF4-FFF2-40B4-BE49-F238E27FC236}">
-                <a16:creationId xmlns:a16="http://schemas.microsoft.com/office/drawing/2014/main" id="{1146CBC5-8449-4FBA-A90C-DCD0085459E0}"/>
+                <a16:creationId xmlns="" xmlns:a16="http://schemas.microsoft.com/office/drawing/2014/main" id="{1146CBC5-8449-4FBA-A90C-DCD0085459E0}"/>
               </a:ext>
             </a:extLst>
           </p:cNvPr>
@@ -8098,7 +7983,7 @@
           <p:cNvPr id="11" name="Picture 10">
             <a:extLst>
               <a:ext uri="{FF2B5EF4-FFF2-40B4-BE49-F238E27FC236}">
-                <a16:creationId xmlns:a16="http://schemas.microsoft.com/office/drawing/2014/main" id="{E05FDA5A-53E3-4450-8DA2-A860835088BD}"/>
+                <a16:creationId xmlns="" xmlns:a16="http://schemas.microsoft.com/office/drawing/2014/main" id="{E05FDA5A-53E3-4450-8DA2-A860835088BD}"/>
               </a:ext>
             </a:extLst>
           </p:cNvPr>

--- a/MOVIFIER.pptx
+++ b/MOVIFIER.pptx
@@ -574,7 +574,7 @@
           <a:p>
             <a:fld id="{14C8E571-C772-447C-BDBE-FD8B90BA2EEA}" type="datetimeFigureOut">
               <a:rPr lang="he-IL" smtClean="0"/>
-              <a:t>ג'/טבת/תשע"ט</a:t>
+              <a:t>ה'/טבת/תשע"ט</a:t>
             </a:fld>
             <a:endParaRPr lang="he-IL"/>
           </a:p>
@@ -906,7 +906,7 @@
           <a:p>
             <a:fld id="{14C8E571-C772-447C-BDBE-FD8B90BA2EEA}" type="datetimeFigureOut">
               <a:rPr lang="he-IL" smtClean="0"/>
-              <a:t>ג'/טבת/תשע"ט</a:t>
+              <a:t>ה'/טבת/תשע"ט</a:t>
             </a:fld>
             <a:endParaRPr lang="he-IL"/>
           </a:p>
@@ -1102,7 +1102,7 @@
           <a:p>
             <a:fld id="{14C8E571-C772-447C-BDBE-FD8B90BA2EEA}" type="datetimeFigureOut">
               <a:rPr lang="he-IL" smtClean="0"/>
-              <a:t>ג'/טבת/תשע"ט</a:t>
+              <a:t>ה'/טבת/תשע"ט</a:t>
             </a:fld>
             <a:endParaRPr lang="he-IL"/>
           </a:p>
@@ -1372,7 +1372,7 @@
           <a:p>
             <a:fld id="{14C8E571-C772-447C-BDBE-FD8B90BA2EEA}" type="datetimeFigureOut">
               <a:rPr lang="he-IL" smtClean="0"/>
-              <a:t>ג'/טבת/תשע"ט</a:t>
+              <a:t>ה'/טבת/תשע"ט</a:t>
             </a:fld>
             <a:endParaRPr lang="he-IL"/>
           </a:p>
@@ -1800,7 +1800,7 @@
           <a:p>
             <a:fld id="{14C8E571-C772-447C-BDBE-FD8B90BA2EEA}" type="datetimeFigureOut">
               <a:rPr lang="he-IL" smtClean="0"/>
-              <a:t>ג'/טבת/תשע"ט</a:t>
+              <a:t>ה'/טבת/תשע"ט</a:t>
             </a:fld>
             <a:endParaRPr lang="he-IL"/>
           </a:p>
@@ -2350,7 +2350,7 @@
           <a:p>
             <a:fld id="{14C8E571-C772-447C-BDBE-FD8B90BA2EEA}" type="datetimeFigureOut">
               <a:rPr lang="he-IL" smtClean="0"/>
-              <a:t>ג'/טבת/תשע"ט</a:t>
+              <a:t>ה'/טבת/תשע"ט</a:t>
             </a:fld>
             <a:endParaRPr lang="he-IL"/>
           </a:p>
@@ -3140,7 +3140,7 @@
           <a:p>
             <a:fld id="{14C8E571-C772-447C-BDBE-FD8B90BA2EEA}" type="datetimeFigureOut">
               <a:rPr lang="he-IL" smtClean="0"/>
-              <a:t>ג'/טבת/תשע"ט</a:t>
+              <a:t>ה'/טבת/תשע"ט</a:t>
             </a:fld>
             <a:endParaRPr lang="he-IL"/>
           </a:p>
@@ -3319,7 +3319,7 @@
           <a:p>
             <a:fld id="{14C8E571-C772-447C-BDBE-FD8B90BA2EEA}" type="datetimeFigureOut">
               <a:rPr lang="he-IL" smtClean="0"/>
-              <a:t>ג'/טבת/תשע"ט</a:t>
+              <a:t>ה'/טבת/תשע"ט</a:t>
             </a:fld>
             <a:endParaRPr lang="he-IL"/>
           </a:p>
@@ -3503,7 +3503,7 @@
           <a:p>
             <a:fld id="{14C8E571-C772-447C-BDBE-FD8B90BA2EEA}" type="datetimeFigureOut">
               <a:rPr lang="he-IL" smtClean="0"/>
-              <a:t>ג'/טבת/תשע"ט</a:t>
+              <a:t>ה'/טבת/תשע"ט</a:t>
             </a:fld>
             <a:endParaRPr lang="he-IL"/>
           </a:p>
@@ -3678,7 +3678,7 @@
           <a:p>
             <a:fld id="{14C8E571-C772-447C-BDBE-FD8B90BA2EEA}" type="datetimeFigureOut">
               <a:rPr lang="he-IL" smtClean="0"/>
-              <a:t>ג'/טבת/תשע"ט</a:t>
+              <a:t>ה'/טבת/תשע"ט</a:t>
             </a:fld>
             <a:endParaRPr lang="he-IL"/>
           </a:p>
@@ -3928,7 +3928,7 @@
           <a:p>
             <a:fld id="{14C8E571-C772-447C-BDBE-FD8B90BA2EEA}" type="datetimeFigureOut">
               <a:rPr lang="he-IL" smtClean="0"/>
-              <a:t>ג'/טבת/תשע"ט</a:t>
+              <a:t>ה'/טבת/תשע"ט</a:t>
             </a:fld>
             <a:endParaRPr lang="he-IL"/>
           </a:p>
@@ -4165,7 +4165,7 @@
           <a:p>
             <a:fld id="{14C8E571-C772-447C-BDBE-FD8B90BA2EEA}" type="datetimeFigureOut">
               <a:rPr lang="he-IL" smtClean="0"/>
-              <a:t>ג'/טבת/תשע"ט</a:t>
+              <a:t>ה'/טבת/תשע"ט</a:t>
             </a:fld>
             <a:endParaRPr lang="he-IL"/>
           </a:p>
@@ -4550,7 +4550,7 @@
           <a:p>
             <a:fld id="{14C8E571-C772-447C-BDBE-FD8B90BA2EEA}" type="datetimeFigureOut">
               <a:rPr lang="he-IL" smtClean="0"/>
-              <a:t>ג'/טבת/תשע"ט</a:t>
+              <a:t>ה'/טבת/תשע"ט</a:t>
             </a:fld>
             <a:endParaRPr lang="he-IL"/>
           </a:p>
@@ -4668,7 +4668,7 @@
           <a:p>
             <a:fld id="{14C8E571-C772-447C-BDBE-FD8B90BA2EEA}" type="datetimeFigureOut">
               <a:rPr lang="he-IL" smtClean="0"/>
-              <a:t>ג'/טבת/תשע"ט</a:t>
+              <a:t>ה'/טבת/תשע"ט</a:t>
             </a:fld>
             <a:endParaRPr lang="he-IL"/>
           </a:p>
@@ -4763,7 +4763,7 @@
           <a:p>
             <a:fld id="{14C8E571-C772-447C-BDBE-FD8B90BA2EEA}" type="datetimeFigureOut">
               <a:rPr lang="he-IL" smtClean="0"/>
-              <a:t>ג'/טבת/תשע"ט</a:t>
+              <a:t>ה'/טבת/תשע"ט</a:t>
             </a:fld>
             <a:endParaRPr lang="he-IL"/>
           </a:p>
@@ -5016,7 +5016,7 @@
           <a:p>
             <a:fld id="{14C8E571-C772-447C-BDBE-FD8B90BA2EEA}" type="datetimeFigureOut">
               <a:rPr lang="he-IL" smtClean="0"/>
-              <a:t>ג'/טבת/תשע"ט</a:t>
+              <a:t>ה'/טבת/תשע"ט</a:t>
             </a:fld>
             <a:endParaRPr lang="he-IL"/>
           </a:p>
@@ -5285,7 +5285,7 @@
           <a:p>
             <a:fld id="{14C8E571-C772-447C-BDBE-FD8B90BA2EEA}" type="datetimeFigureOut">
               <a:rPr lang="he-IL" smtClean="0"/>
-              <a:t>ג'/טבת/תשע"ט</a:t>
+              <a:t>ה'/טבת/תשע"ט</a:t>
             </a:fld>
             <a:endParaRPr lang="he-IL"/>
           </a:p>
@@ -5688,7 +5688,7 @@
           <a:p>
             <a:fld id="{14C8E571-C772-447C-BDBE-FD8B90BA2EEA}" type="datetimeFigureOut">
               <a:rPr lang="he-IL" smtClean="0"/>
-              <a:t>ג'/טבת/תשע"ט</a:t>
+              <a:t>ה'/טבת/תשע"ט</a:t>
             </a:fld>
             <a:endParaRPr lang="he-IL"/>
           </a:p>
@@ -6260,11 +6260,20 @@
             <p:ph type="title"/>
           </p:nvPr>
         </p:nvSpPr>
-        <p:spPr/>
+        <p:spPr>
+          <a:xfrm>
+            <a:off x="788832" y="2063396"/>
+            <a:ext cx="10396882" cy="1151965"/>
+          </a:xfrm>
+        </p:spPr>
         <p:txBody>
           <a:bodyPr/>
           <a:lstStyle/>
           <a:p>
+            <a:r>
+              <a:rPr lang="en-US" smtClean="0"/>
+              <a:t>Questions? </a:t>
+            </a:r>
             <a:endParaRPr lang="he-IL" dirty="0"/>
           </a:p>
         </p:txBody>
@@ -6284,7 +6293,7 @@
           <a:bodyPr/>
           <a:lstStyle/>
           <a:p>
-            <a:pPr marL="0" indent="0" algn="l">
+            <a:pPr marL="0" indent="0" algn="l" rtl="0">
               <a:buNone/>
             </a:pPr>
             <a:endParaRPr lang="en-US" dirty="0"/>
@@ -7001,7 +7010,7 @@
           <p:cNvPr id="7" name="Picture 6">
             <a:extLst>
               <a:ext uri="{FF2B5EF4-FFF2-40B4-BE49-F238E27FC236}">
-                <a16:creationId xmlns="" xmlns:a16="http://schemas.microsoft.com/office/drawing/2014/main" id="{BCC588EE-6C8E-4F36-BD7F-8D7C90A15E6C}"/>
+                <a16:creationId xmlns:a16="http://schemas.microsoft.com/office/drawing/2014/main" xmlns="" id="{BCC588EE-6C8E-4F36-BD7F-8D7C90A15E6C}"/>
               </a:ext>
             </a:extLst>
           </p:cNvPr>
@@ -7227,7 +7236,7 @@
           <p:cNvPr id="9" name="כותרת 1">
             <a:extLst>
               <a:ext uri="{FF2B5EF4-FFF2-40B4-BE49-F238E27FC236}">
-                <a16:creationId xmlns="" xmlns:a16="http://schemas.microsoft.com/office/drawing/2014/main" id="{93E9D7FA-4A8F-4E66-B304-8F3FCB0DB718}"/>
+                <a16:creationId xmlns:a16="http://schemas.microsoft.com/office/drawing/2014/main" xmlns="" id="{93E9D7FA-4A8F-4E66-B304-8F3FCB0DB718}"/>
               </a:ext>
             </a:extLst>
           </p:cNvPr>
@@ -7329,30 +7338,32 @@
         </p:nvSpPr>
         <p:spPr/>
         <p:txBody>
-          <a:bodyPr/>
+          <a:bodyPr>
+            <a:normAutofit/>
+          </a:bodyPr>
           <a:lstStyle/>
           <a:p>
             <a:pPr algn="l" rtl="0"/>
             <a:r>
-              <a:rPr lang="en-US" dirty="0"/>
+              <a:rPr lang="en-US" sz="2400" dirty="0"/>
               <a:t>Rotten tomato</a:t>
             </a:r>
           </a:p>
           <a:p>
             <a:pPr algn="l" rtl="0"/>
             <a:r>
-              <a:rPr lang="en-US" dirty="0" err="1"/>
+              <a:rPr lang="en-US" sz="2400" dirty="0" err="1"/>
               <a:t>Imdb</a:t>
             </a:r>
-            <a:endParaRPr lang="en-US" dirty="0"/>
+            <a:endParaRPr lang="en-US" sz="2400" dirty="0"/>
           </a:p>
           <a:p>
             <a:pPr algn="l" rtl="0"/>
             <a:r>
-              <a:rPr lang="en-US" dirty="0"/>
+              <a:rPr lang="en-US" sz="2400" dirty="0"/>
               <a:t>Box office mojo</a:t>
             </a:r>
-            <a:endParaRPr lang="he-IL" dirty="0"/>
+            <a:endParaRPr lang="he-IL" sz="2400" dirty="0"/>
           </a:p>
         </p:txBody>
       </p:sp>
@@ -7545,7 +7556,9 @@
           </a:xfrm>
         </p:spPr>
         <p:txBody>
-          <a:bodyPr/>
+          <a:bodyPr>
+            <a:normAutofit fontScale="92500" lnSpcReduction="20000"/>
+          </a:bodyPr>
           <a:lstStyle/>
           <a:p>
             <a:pPr algn="l" rtl="0"/>
@@ -7591,9 +7604,25 @@
           <a:p>
             <a:pPr lvl="1" algn="l" rtl="0"/>
             <a:r>
-              <a:rPr lang="en-US" dirty="0"/>
-              <a:t>RELEVANT PERIOD</a:t>
-            </a:r>
+              <a:rPr lang="en-US"/>
+              <a:t>RELEVANT </a:t>
+            </a:r>
+            <a:r>
+              <a:rPr lang="en-US" smtClean="0"/>
+              <a:t>PERIOD</a:t>
+            </a:r>
+          </a:p>
+          <a:p>
+            <a:pPr lvl="1" algn="l" rtl="0"/>
+            <a:endParaRPr lang="en-US"/>
+          </a:p>
+          <a:p>
+            <a:pPr algn="l" rtl="0"/>
+            <a:r>
+              <a:rPr lang="en-US" smtClean="0"/>
+              <a:t>Train and TEST</a:t>
+            </a:r>
+            <a:endParaRPr lang="en-US" dirty="0"/>
           </a:p>
           <a:p>
             <a:pPr lvl="1" algn="l" rtl="0"/>
@@ -7795,7 +7824,7 @@
           <p:cNvPr id="7" name="Picture 6">
             <a:extLst>
               <a:ext uri="{FF2B5EF4-FFF2-40B4-BE49-F238E27FC236}">
-                <a16:creationId xmlns="" xmlns:a16="http://schemas.microsoft.com/office/drawing/2014/main" id="{B726B947-1C89-44FD-8914-F089B0A18816}"/>
+                <a16:creationId xmlns:a16="http://schemas.microsoft.com/office/drawing/2014/main" xmlns="" id="{B726B947-1C89-44FD-8914-F089B0A18816}"/>
               </a:ext>
             </a:extLst>
           </p:cNvPr>
@@ -7953,7 +7982,7 @@
           <p:cNvPr id="5" name="Picture 4">
             <a:extLst>
               <a:ext uri="{FF2B5EF4-FFF2-40B4-BE49-F238E27FC236}">
-                <a16:creationId xmlns="" xmlns:a16="http://schemas.microsoft.com/office/drawing/2014/main" id="{1146CBC5-8449-4FBA-A90C-DCD0085459E0}"/>
+                <a16:creationId xmlns:a16="http://schemas.microsoft.com/office/drawing/2014/main" xmlns="" id="{1146CBC5-8449-4FBA-A90C-DCD0085459E0}"/>
               </a:ext>
             </a:extLst>
           </p:cNvPr>
@@ -7983,7 +8012,7 @@
           <p:cNvPr id="11" name="Picture 10">
             <a:extLst>
               <a:ext uri="{FF2B5EF4-FFF2-40B4-BE49-F238E27FC236}">
-                <a16:creationId xmlns="" xmlns:a16="http://schemas.microsoft.com/office/drawing/2014/main" id="{E05FDA5A-53E3-4450-8DA2-A860835088BD}"/>
+                <a16:creationId xmlns:a16="http://schemas.microsoft.com/office/drawing/2014/main" xmlns="" id="{E05FDA5A-53E3-4450-8DA2-A860835088BD}"/>
               </a:ext>
             </a:extLst>
           </p:cNvPr>
